--- a/java_ppt_demo/src/main/resources/model/template_model.pptx
+++ b/java_ppt_demo/src/main/resources/model/template_model.pptx
@@ -104,6 +104,11 @@
       </a:defRPr>
     </a:lvl9pPr>
   </p:defaultTextStyle>
+  <p:extLst>
+    <p:ext uri="{EFAFB233-063F-42B5-8137-9DF3F51BA10A}">
+      <p15:sldGuideLst xmlns:p15="http://schemas.microsoft.com/office/powerpoint/2012/main"/>
+    </p:ext>
+  </p:extLst>
 </p:presentation>
 </file>
 
@@ -254,7 +259,7 @@
           <a:p>
             <a:fld id="{B0042800-2D82-4DD0-8146-87F818C112D8}" type="datetimeFigureOut">
               <a:rPr lang="zh-CN" altLang="en-US" smtClean="0"/>
-              <a:t>2019/5/5</a:t>
+              <a:t>2019/6/4</a:t>
             </a:fld>
             <a:endParaRPr lang="zh-CN" altLang="en-US"/>
           </a:p>
@@ -452,7 +457,7 @@
           <a:p>
             <a:fld id="{B0042800-2D82-4DD0-8146-87F818C112D8}" type="datetimeFigureOut">
               <a:rPr lang="zh-CN" altLang="en-US" smtClean="0"/>
-              <a:t>2019/5/5</a:t>
+              <a:t>2019/6/4</a:t>
             </a:fld>
             <a:endParaRPr lang="zh-CN" altLang="en-US"/>
           </a:p>
@@ -660,7 +665,7 @@
           <a:p>
             <a:fld id="{B0042800-2D82-4DD0-8146-87F818C112D8}" type="datetimeFigureOut">
               <a:rPr lang="zh-CN" altLang="en-US" smtClean="0"/>
-              <a:t>2019/5/5</a:t>
+              <a:t>2019/6/4</a:t>
             </a:fld>
             <a:endParaRPr lang="zh-CN" altLang="en-US"/>
           </a:p>
@@ -858,7 +863,7 @@
           <a:p>
             <a:fld id="{B0042800-2D82-4DD0-8146-87F818C112D8}" type="datetimeFigureOut">
               <a:rPr lang="zh-CN" altLang="en-US" smtClean="0"/>
-              <a:t>2019/5/5</a:t>
+              <a:t>2019/6/4</a:t>
             </a:fld>
             <a:endParaRPr lang="zh-CN" altLang="en-US"/>
           </a:p>
@@ -1133,7 +1138,7 @@
           <a:p>
             <a:fld id="{B0042800-2D82-4DD0-8146-87F818C112D8}" type="datetimeFigureOut">
               <a:rPr lang="zh-CN" altLang="en-US" smtClean="0"/>
-              <a:t>2019/5/5</a:t>
+              <a:t>2019/6/4</a:t>
             </a:fld>
             <a:endParaRPr lang="zh-CN" altLang="en-US"/>
           </a:p>
@@ -1398,7 +1403,7 @@
           <a:p>
             <a:fld id="{B0042800-2D82-4DD0-8146-87F818C112D8}" type="datetimeFigureOut">
               <a:rPr lang="zh-CN" altLang="en-US" smtClean="0"/>
-              <a:t>2019/5/5</a:t>
+              <a:t>2019/6/4</a:t>
             </a:fld>
             <a:endParaRPr lang="zh-CN" altLang="en-US"/>
           </a:p>
@@ -1810,7 +1815,7 @@
           <a:p>
             <a:fld id="{B0042800-2D82-4DD0-8146-87F818C112D8}" type="datetimeFigureOut">
               <a:rPr lang="zh-CN" altLang="en-US" smtClean="0"/>
-              <a:t>2019/5/5</a:t>
+              <a:t>2019/6/4</a:t>
             </a:fld>
             <a:endParaRPr lang="zh-CN" altLang="en-US"/>
           </a:p>
@@ -1951,7 +1956,7 @@
           <a:p>
             <a:fld id="{B0042800-2D82-4DD0-8146-87F818C112D8}" type="datetimeFigureOut">
               <a:rPr lang="zh-CN" altLang="en-US" smtClean="0"/>
-              <a:t>2019/5/5</a:t>
+              <a:t>2019/6/4</a:t>
             </a:fld>
             <a:endParaRPr lang="zh-CN" altLang="en-US"/>
           </a:p>
@@ -2064,7 +2069,7 @@
           <a:p>
             <a:fld id="{B0042800-2D82-4DD0-8146-87F818C112D8}" type="datetimeFigureOut">
               <a:rPr lang="zh-CN" altLang="en-US" smtClean="0"/>
-              <a:t>2019/5/5</a:t>
+              <a:t>2019/6/4</a:t>
             </a:fld>
             <a:endParaRPr lang="zh-CN" altLang="en-US"/>
           </a:p>
@@ -2375,7 +2380,7 @@
           <a:p>
             <a:fld id="{B0042800-2D82-4DD0-8146-87F818C112D8}" type="datetimeFigureOut">
               <a:rPr lang="zh-CN" altLang="en-US" smtClean="0"/>
-              <a:t>2019/5/5</a:t>
+              <a:t>2019/6/4</a:t>
             </a:fld>
             <a:endParaRPr lang="zh-CN" altLang="en-US"/>
           </a:p>
@@ -2663,7 +2668,7 @@
           <a:p>
             <a:fld id="{B0042800-2D82-4DD0-8146-87F818C112D8}" type="datetimeFigureOut">
               <a:rPr lang="zh-CN" altLang="en-US" smtClean="0"/>
-              <a:t>2019/5/5</a:t>
+              <a:t>2019/6/4</a:t>
             </a:fld>
             <a:endParaRPr lang="zh-CN" altLang="en-US"/>
           </a:p>
@@ -2904,7 +2909,7 @@
           <a:p>
             <a:fld id="{B0042800-2D82-4DD0-8146-87F818C112D8}" type="datetimeFigureOut">
               <a:rPr lang="zh-CN" altLang="en-US" smtClean="0"/>
-              <a:t>2019/5/5</a:t>
+              <a:t>2019/6/4</a:t>
             </a:fld>
             <a:endParaRPr lang="zh-CN" altLang="en-US"/>
           </a:p>
@@ -3323,51 +3328,332 @@
       </p:grpSpPr>
       <p:sp>
         <p:nvSpPr>
-          <p:cNvPr id="2" name="标题 1">
-            <a:extLst>
-              <a:ext uri="{FF2B5EF4-FFF2-40B4-BE49-F238E27FC236}">
-                <a16:creationId xmlns:a16="http://schemas.microsoft.com/office/drawing/2014/main" id="{6E77BE51-5A88-4DCB-A4DA-BC3A6418573B}"/>
-              </a:ext>
-            </a:extLst>
-          </p:cNvPr>
-          <p:cNvSpPr>
-            <a:spLocks noGrp="1"/>
-          </p:cNvSpPr>
-          <p:nvPr>
-            <p:ph type="ctrTitle"/>
-          </p:nvPr>
-        </p:nvSpPr>
-        <p:spPr/>
-        <p:txBody>
-          <a:bodyPr/>
-          <a:lstStyle/>
-          <a:p>
+          <p:cNvPr id="4" name="矩形 3">
+            <a:extLst>
+              <a:ext uri="{FF2B5EF4-FFF2-40B4-BE49-F238E27FC236}">
+                <a16:creationId xmlns:a16="http://schemas.microsoft.com/office/drawing/2014/main" id="{D0FA8524-639E-4F81-B334-39E52107C165}"/>
+              </a:ext>
+            </a:extLst>
+          </p:cNvPr>
+          <p:cNvSpPr/>
+          <p:nvPr/>
+        </p:nvSpPr>
+        <p:spPr>
+          <a:xfrm>
+            <a:off x="1005163" y="1985067"/>
+            <a:ext cx="3160450" cy="1811044"/>
+          </a:xfrm>
+          <a:prstGeom prst="rect">
+            <a:avLst/>
+          </a:prstGeom>
+        </p:spPr>
+        <p:style>
+          <a:lnRef idx="2">
+            <a:schemeClr val="accent1">
+              <a:shade val="50000"/>
+            </a:schemeClr>
+          </a:lnRef>
+          <a:fillRef idx="1">
+            <a:schemeClr val="accent1"/>
+          </a:fillRef>
+          <a:effectRef idx="0">
+            <a:schemeClr val="accent1"/>
+          </a:effectRef>
+          <a:fontRef idx="minor">
+            <a:schemeClr val="lt1"/>
+          </a:fontRef>
+        </p:style>
+        <p:txBody>
+          <a:bodyPr rtlCol="0" anchor="ctr"/>
+          <a:lstStyle/>
+          <a:p>
+            <a:pPr algn="ctr"/>
+            <a:r>
+              <a:rPr lang="en-US" altLang="zh-CN" dirty="0"/>
+              <a:t>#</a:t>
+            </a:r>
+            <a:r>
+              <a:rPr lang="en-US" altLang="zh-CN" dirty="0" err="1"/>
+              <a:t>image_path</a:t>
+            </a:r>
+            <a:r>
+              <a:rPr lang="en-US" altLang="zh-CN" dirty="0"/>
+              <a:t>#</a:t>
+            </a:r>
             <a:endParaRPr lang="zh-CN" altLang="en-US" dirty="0"/>
           </a:p>
         </p:txBody>
       </p:sp>
       <p:sp>
         <p:nvSpPr>
-          <p:cNvPr id="3" name="副标题 2">
-            <a:extLst>
-              <a:ext uri="{FF2B5EF4-FFF2-40B4-BE49-F238E27FC236}">
-                <a16:creationId xmlns:a16="http://schemas.microsoft.com/office/drawing/2014/main" id="{C88D622C-E14A-41E0-873D-F47C02E57FE7}"/>
-              </a:ext>
-            </a:extLst>
-          </p:cNvPr>
-          <p:cNvSpPr>
-            <a:spLocks noGrp="1"/>
-          </p:cNvSpPr>
-          <p:nvPr>
-            <p:ph type="subTitle" idx="1"/>
-          </p:nvPr>
-        </p:nvSpPr>
-        <p:spPr/>
-        <p:txBody>
-          <a:bodyPr/>
-          <a:lstStyle/>
-          <a:p>
-            <a:endParaRPr lang="zh-CN" altLang="en-US"/>
+          <p:cNvPr id="5" name="文本框 4">
+            <a:extLst>
+              <a:ext uri="{FF2B5EF4-FFF2-40B4-BE49-F238E27FC236}">
+                <a16:creationId xmlns:a16="http://schemas.microsoft.com/office/drawing/2014/main" id="{77247ADB-9448-4B92-828E-680F5E03F5B7}"/>
+              </a:ext>
+            </a:extLst>
+          </p:cNvPr>
+          <p:cNvSpPr txBox="1"/>
+          <p:nvPr/>
+        </p:nvSpPr>
+        <p:spPr>
+          <a:xfrm>
+            <a:off x="1005163" y="1473692"/>
+            <a:ext cx="3240349" cy="369332"/>
+          </a:xfrm>
+          <a:prstGeom prst="rect">
+            <a:avLst/>
+          </a:prstGeom>
+          <a:noFill/>
+        </p:spPr>
+        <p:txBody>
+          <a:bodyPr wrap="square" rtlCol="0">
+            <a:spAutoFit/>
+          </a:bodyPr>
+          <a:lstStyle/>
+          <a:p>
+            <a:r>
+              <a:rPr lang="en-US" altLang="zh-CN" dirty="0"/>
+              <a:t>#</a:t>
+            </a:r>
+            <a:r>
+              <a:rPr lang="en-US" altLang="zh-CN" dirty="0" err="1"/>
+              <a:t>text_data</a:t>
+            </a:r>
+            <a:r>
+              <a:rPr lang="en-US" altLang="zh-CN" dirty="0"/>
+              <a:t>#</a:t>
+            </a:r>
+            <a:endParaRPr lang="zh-CN" altLang="en-US" dirty="0"/>
+          </a:p>
+        </p:txBody>
+      </p:sp>
+      <p:sp>
+        <p:nvSpPr>
+          <p:cNvPr id="6" name="文本框 5">
+            <a:extLst>
+              <a:ext uri="{FF2B5EF4-FFF2-40B4-BE49-F238E27FC236}">
+                <a16:creationId xmlns:a16="http://schemas.microsoft.com/office/drawing/2014/main" id="{330978CD-2103-4A7E-B336-A4BF286888CE}"/>
+              </a:ext>
+            </a:extLst>
+          </p:cNvPr>
+          <p:cNvSpPr txBox="1"/>
+          <p:nvPr/>
+        </p:nvSpPr>
+        <p:spPr>
+          <a:xfrm>
+            <a:off x="2625338" y="568171"/>
+            <a:ext cx="6941324" cy="584775"/>
+          </a:xfrm>
+          <a:prstGeom prst="rect">
+            <a:avLst/>
+          </a:prstGeom>
+          <a:noFill/>
+        </p:spPr>
+        <p:txBody>
+          <a:bodyPr wrap="none" rtlCol="0">
+            <a:spAutoFit/>
+          </a:bodyPr>
+          <a:lstStyle/>
+          <a:p>
+            <a:r>
+              <a:rPr lang="zh-CN" altLang="en-US" sz="3200" dirty="0">
+                <a:solidFill>
+                  <a:srgbClr val="FF0000"/>
+                </a:solidFill>
+              </a:rPr>
+              <a:t>封装并改进如何进行</a:t>
+            </a:r>
+            <a:r>
+              <a:rPr lang="en-US" altLang="zh-CN" sz="3200" dirty="0">
+                <a:solidFill>
+                  <a:srgbClr val="FF0000"/>
+                </a:solidFill>
+              </a:rPr>
+              <a:t>ppt</a:t>
+            </a:r>
+            <a:r>
+              <a:rPr lang="zh-CN" altLang="en-US" sz="3200" dirty="0">
+                <a:solidFill>
+                  <a:srgbClr val="FF0000"/>
+                </a:solidFill>
+              </a:rPr>
+              <a:t>渲染下载问题</a:t>
+            </a:r>
+          </a:p>
+        </p:txBody>
+      </p:sp>
+      <p:sp>
+        <p:nvSpPr>
+          <p:cNvPr id="7" name="矩形 6">
+            <a:extLst>
+              <a:ext uri="{FF2B5EF4-FFF2-40B4-BE49-F238E27FC236}">
+                <a16:creationId xmlns:a16="http://schemas.microsoft.com/office/drawing/2014/main" id="{4B052790-E531-499A-ADF0-CBDAAA27E61B}"/>
+              </a:ext>
+            </a:extLst>
+          </p:cNvPr>
+          <p:cNvSpPr/>
+          <p:nvPr/>
+        </p:nvSpPr>
+        <p:spPr>
+          <a:xfrm>
+            <a:off x="1045112" y="4109455"/>
+            <a:ext cx="3160450" cy="1811044"/>
+          </a:xfrm>
+          <a:prstGeom prst="rect">
+            <a:avLst/>
+          </a:prstGeom>
+        </p:spPr>
+        <p:style>
+          <a:lnRef idx="2">
+            <a:schemeClr val="accent1">
+              <a:shade val="50000"/>
+            </a:schemeClr>
+          </a:lnRef>
+          <a:fillRef idx="1">
+            <a:schemeClr val="accent1"/>
+          </a:fillRef>
+          <a:effectRef idx="0">
+            <a:schemeClr val="accent1"/>
+          </a:effectRef>
+          <a:fontRef idx="minor">
+            <a:schemeClr val="lt1"/>
+          </a:fontRef>
+        </p:style>
+        <p:txBody>
+          <a:bodyPr rtlCol="0" anchor="ctr"/>
+          <a:lstStyle/>
+          <a:p>
+            <a:pPr algn="ctr"/>
+            <a:r>
+              <a:rPr lang="en-US" altLang="zh-CN" dirty="0"/>
+              <a:t>#</a:t>
+            </a:r>
+            <a:r>
+              <a:rPr lang="en-US" altLang="zh-CN" dirty="0" err="1"/>
+              <a:t>image_file</a:t>
+            </a:r>
+            <a:r>
+              <a:rPr lang="en-US" altLang="zh-CN" dirty="0"/>
+              <a:t>#</a:t>
+            </a:r>
+            <a:endParaRPr lang="zh-CN" altLang="en-US" dirty="0"/>
+          </a:p>
+        </p:txBody>
+      </p:sp>
+      <p:sp>
+        <p:nvSpPr>
+          <p:cNvPr id="8" name="矩形 7">
+            <a:extLst>
+              <a:ext uri="{FF2B5EF4-FFF2-40B4-BE49-F238E27FC236}">
+                <a16:creationId xmlns:a16="http://schemas.microsoft.com/office/drawing/2014/main" id="{D83B0ED8-F3C4-4D83-9EB2-068E39E1FDF0}"/>
+              </a:ext>
+            </a:extLst>
+          </p:cNvPr>
+          <p:cNvSpPr/>
+          <p:nvPr/>
+        </p:nvSpPr>
+        <p:spPr>
+          <a:xfrm>
+            <a:off x="4865939" y="1985067"/>
+            <a:ext cx="3160450" cy="1811044"/>
+          </a:xfrm>
+          <a:prstGeom prst="rect">
+            <a:avLst/>
+          </a:prstGeom>
+        </p:spPr>
+        <p:style>
+          <a:lnRef idx="2">
+            <a:schemeClr val="accent1">
+              <a:shade val="50000"/>
+            </a:schemeClr>
+          </a:lnRef>
+          <a:fillRef idx="1">
+            <a:schemeClr val="accent1"/>
+          </a:fillRef>
+          <a:effectRef idx="0">
+            <a:schemeClr val="accent1"/>
+          </a:effectRef>
+          <a:fontRef idx="minor">
+            <a:schemeClr val="lt1"/>
+          </a:fontRef>
+        </p:style>
+        <p:txBody>
+          <a:bodyPr rtlCol="0" anchor="ctr"/>
+          <a:lstStyle/>
+          <a:p>
+            <a:pPr algn="ctr"/>
+            <a:r>
+              <a:rPr lang="en-US" altLang="zh-CN" dirty="0"/>
+              <a:t>#</a:t>
+            </a:r>
+            <a:r>
+              <a:rPr lang="en-US" altLang="zh-CN" dirty="0" err="1"/>
+              <a:t>image_base</a:t>
+            </a:r>
+            <a:r>
+              <a:rPr lang="en-US" altLang="zh-CN" dirty="0"/>
+              <a:t>#</a:t>
+            </a:r>
+            <a:endParaRPr lang="zh-CN" altLang="en-US" dirty="0"/>
+          </a:p>
+        </p:txBody>
+      </p:sp>
+      <p:sp>
+        <p:nvSpPr>
+          <p:cNvPr id="9" name="矩形 8">
+            <a:extLst>
+              <a:ext uri="{FF2B5EF4-FFF2-40B4-BE49-F238E27FC236}">
+                <a16:creationId xmlns:a16="http://schemas.microsoft.com/office/drawing/2014/main" id="{1E36BF01-C186-4392-B49F-C3BA5446E4DF}"/>
+              </a:ext>
+            </a:extLst>
+          </p:cNvPr>
+          <p:cNvSpPr/>
+          <p:nvPr/>
+        </p:nvSpPr>
+        <p:spPr>
+          <a:xfrm>
+            <a:off x="4982829" y="4109455"/>
+            <a:ext cx="3160450" cy="1811044"/>
+          </a:xfrm>
+          <a:prstGeom prst="rect">
+            <a:avLst/>
+          </a:prstGeom>
+        </p:spPr>
+        <p:style>
+          <a:lnRef idx="2">
+            <a:schemeClr val="accent1">
+              <a:shade val="50000"/>
+            </a:schemeClr>
+          </a:lnRef>
+          <a:fillRef idx="1">
+            <a:schemeClr val="accent1"/>
+          </a:fillRef>
+          <a:effectRef idx="0">
+            <a:schemeClr val="accent1"/>
+          </a:effectRef>
+          <a:fontRef idx="minor">
+            <a:schemeClr val="lt1"/>
+          </a:fontRef>
+        </p:style>
+        <p:txBody>
+          <a:bodyPr rtlCol="0" anchor="ctr"/>
+          <a:lstStyle/>
+          <a:p>
+            <a:pPr algn="ctr"/>
+            <a:r>
+              <a:rPr lang="en-US" altLang="zh-CN" dirty="0"/>
+              <a:t>#</a:t>
+            </a:r>
+            <a:r>
+              <a:rPr lang="en-US" altLang="zh-CN" dirty="0" err="1"/>
+              <a:t>table_data</a:t>
+            </a:r>
+            <a:r>
+              <a:rPr lang="en-US" altLang="zh-CN" dirty="0"/>
+              <a:t>#</a:t>
+            </a:r>
+            <a:endParaRPr lang="zh-CN" altLang="en-US" dirty="0"/>
           </a:p>
         </p:txBody>
       </p:sp>
@@ -3392,7 +3678,7 @@
         <a:sysClr val="windowText" lastClr="000000"/>
       </a:dk1>
       <a:lt1>
-        <a:sysClr val="window" lastClr="FFFFFF"/>
+        <a:sysClr val="window" lastClr="CCE8CF"/>
       </a:lt1>
       <a:dk2>
         <a:srgbClr val="44546A"/>

--- a/java_ppt_demo/src/main/resources/model/template_model.pptx
+++ b/java_ppt_demo/src/main/resources/model/template_model.pptx
@@ -259,7 +259,7 @@
           <a:p>
             <a:fld id="{B0042800-2D82-4DD0-8146-87F818C112D8}" type="datetimeFigureOut">
               <a:rPr lang="zh-CN" altLang="en-US" smtClean="0"/>
-              <a:t>2019/6/4</a:t>
+              <a:t>2019/9/20</a:t>
             </a:fld>
             <a:endParaRPr lang="zh-CN" altLang="en-US"/>
           </a:p>
@@ -457,7 +457,7 @@
           <a:p>
             <a:fld id="{B0042800-2D82-4DD0-8146-87F818C112D8}" type="datetimeFigureOut">
               <a:rPr lang="zh-CN" altLang="en-US" smtClean="0"/>
-              <a:t>2019/6/4</a:t>
+              <a:t>2019/9/20</a:t>
             </a:fld>
             <a:endParaRPr lang="zh-CN" altLang="en-US"/>
           </a:p>
@@ -665,7 +665,7 @@
           <a:p>
             <a:fld id="{B0042800-2D82-4DD0-8146-87F818C112D8}" type="datetimeFigureOut">
               <a:rPr lang="zh-CN" altLang="en-US" smtClean="0"/>
-              <a:t>2019/6/4</a:t>
+              <a:t>2019/9/20</a:t>
             </a:fld>
             <a:endParaRPr lang="zh-CN" altLang="en-US"/>
           </a:p>
@@ -863,7 +863,7 @@
           <a:p>
             <a:fld id="{B0042800-2D82-4DD0-8146-87F818C112D8}" type="datetimeFigureOut">
               <a:rPr lang="zh-CN" altLang="en-US" smtClean="0"/>
-              <a:t>2019/6/4</a:t>
+              <a:t>2019/9/20</a:t>
             </a:fld>
             <a:endParaRPr lang="zh-CN" altLang="en-US"/>
           </a:p>
@@ -1138,7 +1138,7 @@
           <a:p>
             <a:fld id="{B0042800-2D82-4DD0-8146-87F818C112D8}" type="datetimeFigureOut">
               <a:rPr lang="zh-CN" altLang="en-US" smtClean="0"/>
-              <a:t>2019/6/4</a:t>
+              <a:t>2019/9/20</a:t>
             </a:fld>
             <a:endParaRPr lang="zh-CN" altLang="en-US"/>
           </a:p>
@@ -1403,7 +1403,7 @@
           <a:p>
             <a:fld id="{B0042800-2D82-4DD0-8146-87F818C112D8}" type="datetimeFigureOut">
               <a:rPr lang="zh-CN" altLang="en-US" smtClean="0"/>
-              <a:t>2019/6/4</a:t>
+              <a:t>2019/9/20</a:t>
             </a:fld>
             <a:endParaRPr lang="zh-CN" altLang="en-US"/>
           </a:p>
@@ -1815,7 +1815,7 @@
           <a:p>
             <a:fld id="{B0042800-2D82-4DD0-8146-87F818C112D8}" type="datetimeFigureOut">
               <a:rPr lang="zh-CN" altLang="en-US" smtClean="0"/>
-              <a:t>2019/6/4</a:t>
+              <a:t>2019/9/20</a:t>
             </a:fld>
             <a:endParaRPr lang="zh-CN" altLang="en-US"/>
           </a:p>
@@ -1956,7 +1956,7 @@
           <a:p>
             <a:fld id="{B0042800-2D82-4DD0-8146-87F818C112D8}" type="datetimeFigureOut">
               <a:rPr lang="zh-CN" altLang="en-US" smtClean="0"/>
-              <a:t>2019/6/4</a:t>
+              <a:t>2019/9/20</a:t>
             </a:fld>
             <a:endParaRPr lang="zh-CN" altLang="en-US"/>
           </a:p>
@@ -2069,7 +2069,7 @@
           <a:p>
             <a:fld id="{B0042800-2D82-4DD0-8146-87F818C112D8}" type="datetimeFigureOut">
               <a:rPr lang="zh-CN" altLang="en-US" smtClean="0"/>
-              <a:t>2019/6/4</a:t>
+              <a:t>2019/9/20</a:t>
             </a:fld>
             <a:endParaRPr lang="zh-CN" altLang="en-US"/>
           </a:p>
@@ -2380,7 +2380,7 @@
           <a:p>
             <a:fld id="{B0042800-2D82-4DD0-8146-87F818C112D8}" type="datetimeFigureOut">
               <a:rPr lang="zh-CN" altLang="en-US" smtClean="0"/>
-              <a:t>2019/6/4</a:t>
+              <a:t>2019/9/20</a:t>
             </a:fld>
             <a:endParaRPr lang="zh-CN" altLang="en-US"/>
           </a:p>
@@ -2668,7 +2668,7 @@
           <a:p>
             <a:fld id="{B0042800-2D82-4DD0-8146-87F818C112D8}" type="datetimeFigureOut">
               <a:rPr lang="zh-CN" altLang="en-US" smtClean="0"/>
-              <a:t>2019/6/4</a:t>
+              <a:t>2019/9/20</a:t>
             </a:fld>
             <a:endParaRPr lang="zh-CN" altLang="en-US"/>
           </a:p>
@@ -2909,7 +2909,7 @@
           <a:p>
             <a:fld id="{B0042800-2D82-4DD0-8146-87F818C112D8}" type="datetimeFigureOut">
               <a:rPr lang="zh-CN" altLang="en-US" smtClean="0"/>
-              <a:t>2019/6/4</a:t>
+              <a:t>2019/9/20</a:t>
             </a:fld>
             <a:endParaRPr lang="zh-CN" altLang="en-US"/>
           </a:p>
@@ -3599,64 +3599,118 @@
           </a:p>
         </p:txBody>
       </p:sp>
-      <p:sp>
-        <p:nvSpPr>
-          <p:cNvPr id="9" name="矩形 8">
-            <a:extLst>
-              <a:ext uri="{FF2B5EF4-FFF2-40B4-BE49-F238E27FC236}">
-                <a16:creationId xmlns:a16="http://schemas.microsoft.com/office/drawing/2014/main" id="{1E36BF01-C186-4392-B49F-C3BA5446E4DF}"/>
-              </a:ext>
-            </a:extLst>
-          </p:cNvPr>
-          <p:cNvSpPr/>
-          <p:nvPr/>
-        </p:nvSpPr>
-        <p:spPr>
-          <a:xfrm>
-            <a:off x="4982829" y="4109455"/>
-            <a:ext cx="3160450" cy="1811044"/>
-          </a:xfrm>
-          <a:prstGeom prst="rect">
-            <a:avLst/>
-          </a:prstGeom>
-        </p:spPr>
-        <p:style>
-          <a:lnRef idx="2">
-            <a:schemeClr val="accent1">
-              <a:shade val="50000"/>
-            </a:schemeClr>
-          </a:lnRef>
-          <a:fillRef idx="1">
-            <a:schemeClr val="accent1"/>
-          </a:fillRef>
-          <a:effectRef idx="0">
-            <a:schemeClr val="accent1"/>
-          </a:effectRef>
-          <a:fontRef idx="minor">
-            <a:schemeClr val="lt1"/>
-          </a:fontRef>
-        </p:style>
-        <p:txBody>
-          <a:bodyPr rtlCol="0" anchor="ctr"/>
-          <a:lstStyle/>
-          <a:p>
-            <a:pPr algn="ctr"/>
-            <a:r>
-              <a:rPr lang="en-US" altLang="zh-CN" dirty="0"/>
-              <a:t>#</a:t>
-            </a:r>
-            <a:r>
-              <a:rPr lang="en-US" altLang="zh-CN" dirty="0" err="1"/>
-              <a:t>table_data</a:t>
-            </a:r>
-            <a:r>
-              <a:rPr lang="en-US" altLang="zh-CN" dirty="0"/>
-              <a:t>#</a:t>
-            </a:r>
-            <a:endParaRPr lang="zh-CN" altLang="en-US" dirty="0"/>
-          </a:p>
-        </p:txBody>
-      </p:sp>
+      <p:graphicFrame>
+        <p:nvGraphicFramePr>
+          <p:cNvPr id="10" name="表格 10">
+            <a:extLst>
+              <a:ext uri="{FF2B5EF4-FFF2-40B4-BE49-F238E27FC236}">
+                <a16:creationId xmlns:a16="http://schemas.microsoft.com/office/drawing/2014/main" id="{12A60CB0-F32B-4CB2-BC68-D080916E8638}"/>
+              </a:ext>
+            </a:extLst>
+          </p:cNvPr>
+          <p:cNvGraphicFramePr>
+            <a:graphicFrameLocks noGrp="1"/>
+          </p:cNvGraphicFramePr>
+          <p:nvPr>
+            <p:extLst>
+              <p:ext uri="{D42A27DB-BD31-4B8C-83A1-F6EECF244321}">
+                <p14:modId xmlns:p14="http://schemas.microsoft.com/office/powerpoint/2010/main" val="1767647726"/>
+              </p:ext>
+            </p:extLst>
+          </p:nvPr>
+        </p:nvGraphicFramePr>
+        <p:xfrm>
+          <a:off x="4865939" y="4377266"/>
+          <a:ext cx="6757378" cy="741680"/>
+        </p:xfrm>
+        <a:graphic>
+          <a:graphicData uri="http://schemas.openxmlformats.org/drawingml/2006/table">
+            <a:tbl>
+              <a:tblPr firstRow="1" bandRow="1">
+                <a:tableStyleId>{5C22544A-7EE6-4342-B048-85BDC9FD1C3A}</a:tableStyleId>
+              </a:tblPr>
+              <a:tblGrid>
+                <a:gridCol w="3378689">
+                  <a:extLst>
+                    <a:ext uri="{9D8B030D-6E8A-4147-A177-3AD203B41FA5}">
+                      <a16:colId xmlns:a16="http://schemas.microsoft.com/office/drawing/2014/main" val="3497394976"/>
+                    </a:ext>
+                  </a:extLst>
+                </a:gridCol>
+                <a:gridCol w="3378689">
+                  <a:extLst>
+                    <a:ext uri="{9D8B030D-6E8A-4147-A177-3AD203B41FA5}">
+                      <a16:colId xmlns:a16="http://schemas.microsoft.com/office/drawing/2014/main" val="1642251904"/>
+                    </a:ext>
+                  </a:extLst>
+                </a:gridCol>
+              </a:tblGrid>
+              <a:tr h="370840">
+                <a:tc>
+                  <a:txBody>
+                    <a:bodyPr/>
+                    <a:lstStyle/>
+                    <a:p>
+                      <a:r>
+                        <a:rPr lang="en-US" altLang="zh-CN" dirty="0"/>
+                        <a:t>#</a:t>
+                      </a:r>
+                      <a:r>
+                        <a:rPr lang="en-US" altLang="zh-CN"/>
+                        <a:t>table_data#</a:t>
+                      </a:r>
+                      <a:endParaRPr lang="zh-CN" altLang="en-US" dirty="0"/>
+                    </a:p>
+                  </a:txBody>
+                  <a:tcPr/>
+                </a:tc>
+                <a:tc>
+                  <a:txBody>
+                    <a:bodyPr/>
+                    <a:lstStyle/>
+                    <a:p>
+                      <a:endParaRPr lang="zh-CN" altLang="en-US" dirty="0"/>
+                    </a:p>
+                  </a:txBody>
+                  <a:tcPr/>
+                </a:tc>
+                <a:extLst>
+                  <a:ext uri="{0D108BD9-81ED-4DB2-BD59-A6C34878D82A}">
+                    <a16:rowId xmlns:a16="http://schemas.microsoft.com/office/drawing/2014/main" val="3949282207"/>
+                  </a:ext>
+                </a:extLst>
+              </a:tr>
+              <a:tr h="370840">
+                <a:tc>
+                  <a:txBody>
+                    <a:bodyPr/>
+                    <a:lstStyle/>
+                    <a:p>
+                      <a:endParaRPr lang="zh-CN" altLang="en-US"/>
+                    </a:p>
+                  </a:txBody>
+                  <a:tcPr/>
+                </a:tc>
+                <a:tc>
+                  <a:txBody>
+                    <a:bodyPr/>
+                    <a:lstStyle/>
+                    <a:p>
+                      <a:endParaRPr lang="zh-CN" altLang="en-US" dirty="0"/>
+                    </a:p>
+                  </a:txBody>
+                  <a:tcPr/>
+                </a:tc>
+                <a:extLst>
+                  <a:ext uri="{0D108BD9-81ED-4DB2-BD59-A6C34878D82A}">
+                    <a16:rowId xmlns:a16="http://schemas.microsoft.com/office/drawing/2014/main" val="2444567744"/>
+                  </a:ext>
+                </a:extLst>
+              </a:tr>
+            </a:tbl>
+          </a:graphicData>
+        </a:graphic>
+      </p:graphicFrame>
     </p:spTree>
     <p:extLst>
       <p:ext uri="{BB962C8B-B14F-4D97-AF65-F5344CB8AC3E}">
@@ -3678,7 +3732,7 @@
         <a:sysClr val="windowText" lastClr="000000"/>
       </a:dk1>
       <a:lt1>
-        <a:sysClr val="window" lastClr="CCE8CF"/>
+        <a:sysClr val="window" lastClr="FFFFFF"/>
       </a:lt1>
       <a:dk2>
         <a:srgbClr val="44546A"/>
